--- a/Проект по PyGame.pptx
+++ b/Проект по PyGame.pptx
@@ -17458,7 +17458,12 @@
             <p:ph idx="1"/>
           </p:nvPr>
         </p:nvSpPr>
-        <p:spPr/>
+        <p:spPr>
+          <a:xfrm>
+            <a:off x="248285" y="1299210"/>
+            <a:ext cx="10972800" cy="4525963"/>
+          </a:xfrm>
+        </p:spPr>
         <p:txBody>
           <a:bodyPr/>
           <a:p>
@@ -17466,12 +17471,9 @@
               <a:rPr lang="ru-RU" altLang="en-US"/>
               <a:t>Данная игра представляет собой многоуровневую аркаду</a:t>
             </a:r>
-            <a:endParaRPr lang="en-US" altLang="en-US"/>
-          </a:p>
-          <a:p>
             <a:r>
-              <a:rPr lang="ru-RU" altLang="en-US"/>
-              <a:t>Каждый уровень это карта, состоящая из главного героя, текстур и врагов</a:t>
+              <a:rPr lang="en-US" altLang="en-US"/>
+              <a:t>.</a:t>
             </a:r>
             <a:endParaRPr lang="ru-RU" altLang="en-US"/>
           </a:p>
@@ -17529,8 +17531,8 @@
         </p:blipFill>
         <p:spPr>
           <a:xfrm>
-            <a:off x="9738995" y="-372110"/>
-            <a:ext cx="1972310" cy="1972310"/>
+            <a:off x="509270" y="4362450"/>
+            <a:ext cx="2294255" cy="2294255"/>
           </a:xfrm>
           <a:prstGeom prst="rect">
             <a:avLst/>
@@ -17553,7 +17555,7 @@
         </p:blipFill>
         <p:spPr>
           <a:xfrm>
-            <a:off x="9885045" y="5467350"/>
+            <a:off x="9363710" y="4483100"/>
             <a:ext cx="2367280" cy="2374900"/>
           </a:xfrm>
           <a:prstGeom prst="rect">
